--- a/Projet7_Pysz_Presentation.pptx
+++ b/Projet7_Pysz_Presentation.pptx
@@ -3978,7 +3978,7 @@
           <a:p>
             <a:fld id="{91AC8DD9-4EA6-4CA4-B8D1-5B0AC031180F}" type="datetimeFigureOut">
               <a:rPr lang="fr-FR" smtClean="0"/>
-              <a:t>08/07/2022</a:t>
+              <a:t>05/08/2022</a:t>
             </a:fld>
             <a:endParaRPr lang="fr-FR"/>
           </a:p>
@@ -4436,7 +4436,7 @@
           <a:p>
             <a:fld id="{7F858A7F-1793-490D-876B-C78B0D9EE843}" type="datetime1">
               <a:rPr lang="en-US" smtClean="0"/>
-              <a:t>7/8/2022</a:t>
+              <a:t>8/5/2022</a:t>
             </a:fld>
             <a:endParaRPr lang="en-US" dirty="0"/>
           </a:p>
@@ -4872,7 +4872,7 @@
           <a:p>
             <a:fld id="{390110F1-726E-4CA6-94C8-99E0E40258A4}" type="datetime1">
               <a:rPr lang="en-US" smtClean="0"/>
-              <a:t>7/8/2022</a:t>
+              <a:t>8/5/2022</a:t>
             </a:fld>
             <a:endParaRPr lang="en-US" dirty="0"/>
           </a:p>
@@ -5122,7 +5122,7 @@
           <a:p>
             <a:fld id="{622357CC-CF17-4BEB-A8BD-6BDF484275CB}" type="datetime1">
               <a:rPr lang="en-US" smtClean="0"/>
-              <a:t>7/8/2022</a:t>
+              <a:t>8/5/2022</a:t>
             </a:fld>
             <a:endParaRPr lang="en-US" dirty="0"/>
           </a:p>
@@ -5430,7 +5430,7 @@
           <a:p>
             <a:fld id="{117BE5CF-C4CF-448A-B69D-1B16A85226D0}" type="datetime1">
               <a:rPr lang="en-US" smtClean="0"/>
-              <a:t>7/8/2022</a:t>
+              <a:t>8/5/2022</a:t>
             </a:fld>
             <a:endParaRPr lang="en-US" dirty="0"/>
           </a:p>
@@ -5748,7 +5748,7 @@
           <a:p>
             <a:fld id="{5018F9F5-3A04-4179-8AAB-E44F9C7F2C53}" type="datetime1">
               <a:rPr lang="en-US" smtClean="0"/>
-              <a:t>7/8/2022</a:t>
+              <a:t>8/5/2022</a:t>
             </a:fld>
             <a:endParaRPr lang="en-US" dirty="0"/>
           </a:p>
@@ -6050,7 +6050,7 @@
           <a:p>
             <a:fld id="{EC5201D0-E55E-453E-90D2-EAAE6A426732}" type="datetime1">
               <a:rPr lang="en-US" smtClean="0"/>
-              <a:t>7/8/2022</a:t>
+              <a:t>8/5/2022</a:t>
             </a:fld>
             <a:endParaRPr lang="en-US" dirty="0"/>
           </a:p>
@@ -6417,7 +6417,7 @@
           <a:p>
             <a:fld id="{E44E43FF-6109-494A-AC7D-99EFBC828786}" type="datetime1">
               <a:rPr lang="en-US" smtClean="0"/>
-              <a:t>7/8/2022</a:t>
+              <a:t>8/5/2022</a:t>
             </a:fld>
             <a:endParaRPr lang="en-US" dirty="0"/>
           </a:p>
@@ -6591,7 +6591,7 @@
           <a:p>
             <a:fld id="{2BA28D30-4B15-4029-8402-689B4905D06C}" type="datetime1">
               <a:rPr lang="en-US" smtClean="0"/>
-              <a:t>7/8/2022</a:t>
+              <a:t>8/5/2022</a:t>
             </a:fld>
             <a:endParaRPr lang="en-US" dirty="0"/>
           </a:p>
@@ -6771,7 +6771,7 @@
           <a:p>
             <a:fld id="{C3270F82-2A0E-469E-9B00-941D07B18CE3}" type="datetime1">
               <a:rPr lang="en-US" smtClean="0"/>
-              <a:t>7/8/2022</a:t>
+              <a:t>8/5/2022</a:t>
             </a:fld>
             <a:endParaRPr lang="en-US" dirty="0"/>
           </a:p>
@@ -6941,7 +6941,7 @@
           <a:p>
             <a:fld id="{3811AEE1-DC45-4753-8BC2-D645F25AF9AC}" type="datetime1">
               <a:rPr lang="en-US" smtClean="0"/>
-              <a:t>7/8/2022</a:t>
+              <a:t>8/5/2022</a:t>
             </a:fld>
             <a:endParaRPr lang="en-US" dirty="0"/>
           </a:p>
@@ -7191,7 +7191,7 @@
           <a:p>
             <a:fld id="{F9CCBCAD-12FB-4D70-BBFB-72AAAB520C74}" type="datetime1">
               <a:rPr lang="en-US" smtClean="0"/>
-              <a:t>7/8/2022</a:t>
+              <a:t>8/5/2022</a:t>
             </a:fld>
             <a:endParaRPr lang="en-US" dirty="0"/>
           </a:p>
@@ -7427,7 +7427,7 @@
           <a:p>
             <a:fld id="{69675C36-749A-45AB-B69D-77F12626D3B6}" type="datetime1">
               <a:rPr lang="en-US" smtClean="0"/>
-              <a:t>7/8/2022</a:t>
+              <a:t>8/5/2022</a:t>
             </a:fld>
             <a:endParaRPr lang="en-US" dirty="0"/>
           </a:p>
@@ -7809,7 +7809,7 @@
           <a:p>
             <a:fld id="{764B1CB3-845D-4665-BDF0-757DCAA5543B}" type="datetime1">
               <a:rPr lang="en-US" smtClean="0"/>
-              <a:t>7/8/2022</a:t>
+              <a:t>8/5/2022</a:t>
             </a:fld>
             <a:endParaRPr lang="en-US" dirty="0"/>
           </a:p>
@@ -7927,7 +7927,7 @@
           <a:p>
             <a:fld id="{82A8C44D-DADD-45FF-94C4-6AC46B4EF870}" type="datetime1">
               <a:rPr lang="en-US" smtClean="0"/>
-              <a:t>7/8/2022</a:t>
+              <a:t>8/5/2022</a:t>
             </a:fld>
             <a:endParaRPr lang="en-US" dirty="0"/>
           </a:p>
@@ -8022,7 +8022,7 @@
           <a:p>
             <a:fld id="{A7D8BBED-BA07-4ABE-BD6C-DF6810E0C185}" type="datetime1">
               <a:rPr lang="en-US" smtClean="0"/>
-              <a:t>7/8/2022</a:t>
+              <a:t>8/5/2022</a:t>
             </a:fld>
             <a:endParaRPr lang="en-US" dirty="0"/>
           </a:p>
@@ -8277,7 +8277,7 @@
           <a:p>
             <a:fld id="{4F4F867B-CAE4-440F-BBCC-8B0F23EAEF22}" type="datetime1">
               <a:rPr lang="en-US" smtClean="0"/>
-              <a:t>7/8/2022</a:t>
+              <a:t>8/5/2022</a:t>
             </a:fld>
             <a:endParaRPr lang="en-US" dirty="0"/>
           </a:p>
@@ -8560,7 +8560,7 @@
           <a:p>
             <a:fld id="{99F75202-15AE-45F2-9BCA-5CC5AAA1922E}" type="datetime1">
               <a:rPr lang="en-US" smtClean="0"/>
-              <a:t>7/8/2022</a:t>
+              <a:t>8/5/2022</a:t>
             </a:fld>
             <a:endParaRPr lang="en-US" dirty="0"/>
           </a:p>
@@ -8966,7 +8966,7 @@
           <a:p>
             <a:fld id="{7B9D27E6-E30D-4411-88FD-EEF541554C64}" type="datetime1">
               <a:rPr lang="en-US" smtClean="0"/>
-              <a:t>7/8/2022</a:t>
+              <a:t>8/5/2022</a:t>
             </a:fld>
             <a:endParaRPr lang="en-US" dirty="0"/>
           </a:p>
@@ -24466,6 +24466,223 @@
           </a:p>
         </p:txBody>
       </p:sp>
+      <p:pic>
+        <p:nvPicPr>
+          <p:cNvPr id="7" name="Image 6">
+            <a:extLst>
+              <a:ext uri="{FF2B5EF4-FFF2-40B4-BE49-F238E27FC236}">
+                <a16:creationId xmlns:a16="http://schemas.microsoft.com/office/drawing/2014/main" id="{79C4798E-6ACB-6321-5C95-BE31B7CC3587}"/>
+              </a:ext>
+            </a:extLst>
+          </p:cNvPr>
+          <p:cNvPicPr>
+            <a:picLocks noChangeAspect="1"/>
+          </p:cNvPicPr>
+          <p:nvPr/>
+        </p:nvPicPr>
+        <p:blipFill>
+          <a:blip r:embed="rId3">
+            <a:extLst>
+              <a:ext uri="{28A0092B-C50C-407E-A947-70E740481C1C}">
+                <a14:useLocalDpi xmlns:a14="http://schemas.microsoft.com/office/drawing/2010/main" val="0"/>
+              </a:ext>
+            </a:extLst>
+          </a:blip>
+          <a:stretch>
+            <a:fillRect/>
+          </a:stretch>
+        </p:blipFill>
+        <p:spPr>
+          <a:xfrm>
+            <a:off x="0" y="-33246"/>
+            <a:ext cx="12192000" cy="7780423"/>
+          </a:xfrm>
+          <a:prstGeom prst="rect">
+            <a:avLst/>
+          </a:prstGeom>
+        </p:spPr>
+      </p:pic>
+      <p:sp>
+        <p:nvSpPr>
+          <p:cNvPr id="8" name="Titre 1">
+            <a:extLst>
+              <a:ext uri="{FF2B5EF4-FFF2-40B4-BE49-F238E27FC236}">
+                <a16:creationId xmlns:a16="http://schemas.microsoft.com/office/drawing/2014/main" id="{C1B6BA39-603E-DBDF-6B76-C4E10FCD8110}"/>
+              </a:ext>
+            </a:extLst>
+          </p:cNvPr>
+          <p:cNvSpPr txBox="1">
+            <a:spLocks/>
+          </p:cNvSpPr>
+          <p:nvPr/>
+        </p:nvSpPr>
+        <p:spPr>
+          <a:xfrm>
+            <a:off x="8016882" y="-33246"/>
+            <a:ext cx="3351597" cy="667189"/>
+          </a:xfrm>
+          <a:prstGeom prst="rect">
+            <a:avLst/>
+          </a:prstGeom>
+          <a:effectLst/>
+        </p:spPr>
+        <p:txBody>
+          <a:bodyPr vert="horz" lIns="91440" tIns="45720" rIns="91440" bIns="45720" rtlCol="0" anchor="b">
+            <a:normAutofit fontScale="92500" lnSpcReduction="20000"/>
+          </a:bodyPr>
+          <a:lstStyle>
+            <a:lvl1pPr algn="l" defTabSz="457200" rtl="0" eaLnBrk="1" latinLnBrk="0" hangingPunct="1">
+              <a:spcBef>
+                <a:spcPct val="0"/>
+              </a:spcBef>
+              <a:buNone/>
+              <a:defRPr sz="4800" kern="1200" cap="all">
+                <a:ln w="3175" cmpd="sng">
+                  <a:noFill/>
+                </a:ln>
+                <a:solidFill>
+                  <a:schemeClr val="tx1"/>
+                </a:solidFill>
+                <a:effectLst/>
+                <a:latin typeface="+mj-lt"/>
+                <a:ea typeface="+mj-ea"/>
+                <a:cs typeface="+mj-cs"/>
+              </a:defRPr>
+            </a:lvl1pPr>
+            <a:lvl2pPr eaLnBrk="1" hangingPunct="1">
+              <a:defRPr>
+                <a:solidFill>
+                  <a:schemeClr val="tx2"/>
+                </a:solidFill>
+              </a:defRPr>
+            </a:lvl2pPr>
+            <a:lvl3pPr eaLnBrk="1" hangingPunct="1">
+              <a:defRPr>
+                <a:solidFill>
+                  <a:schemeClr val="tx2"/>
+                </a:solidFill>
+              </a:defRPr>
+            </a:lvl3pPr>
+            <a:lvl4pPr eaLnBrk="1" hangingPunct="1">
+              <a:defRPr>
+                <a:solidFill>
+                  <a:schemeClr val="tx2"/>
+                </a:solidFill>
+              </a:defRPr>
+            </a:lvl4pPr>
+            <a:lvl5pPr eaLnBrk="1" hangingPunct="1">
+              <a:defRPr>
+                <a:solidFill>
+                  <a:schemeClr val="tx2"/>
+                </a:solidFill>
+              </a:defRPr>
+            </a:lvl5pPr>
+            <a:lvl6pPr eaLnBrk="1" hangingPunct="1">
+              <a:defRPr>
+                <a:solidFill>
+                  <a:schemeClr val="tx2"/>
+                </a:solidFill>
+              </a:defRPr>
+            </a:lvl6pPr>
+            <a:lvl7pPr eaLnBrk="1" hangingPunct="1">
+              <a:defRPr>
+                <a:solidFill>
+                  <a:schemeClr val="tx2"/>
+                </a:solidFill>
+              </a:defRPr>
+            </a:lvl7pPr>
+            <a:lvl8pPr eaLnBrk="1" hangingPunct="1">
+              <a:defRPr>
+                <a:solidFill>
+                  <a:schemeClr val="tx2"/>
+                </a:solidFill>
+              </a:defRPr>
+            </a:lvl8pPr>
+            <a:lvl9pPr eaLnBrk="1" hangingPunct="1">
+              <a:defRPr>
+                <a:solidFill>
+                  <a:schemeClr val="tx2"/>
+                </a:solidFill>
+              </a:defRPr>
+            </a:lvl9pPr>
+          </a:lstStyle>
+          <a:p>
+            <a:r>
+              <a:rPr lang="fr-FR" b="1" cap="small">
+                <a:solidFill>
+                  <a:schemeClr val="bg1"/>
+                </a:solidFill>
+              </a:rPr>
+              <a:t>Dashboard</a:t>
+            </a:r>
+            <a:endParaRPr lang="fr-FR" b="1" cap="small" dirty="0">
+              <a:solidFill>
+                <a:schemeClr val="bg1"/>
+              </a:solidFill>
+            </a:endParaRPr>
+          </a:p>
+        </p:txBody>
+      </p:sp>
+      <p:sp>
+        <p:nvSpPr>
+          <p:cNvPr id="9" name="ZoneTexte 8">
+            <a:extLst>
+              <a:ext uri="{FF2B5EF4-FFF2-40B4-BE49-F238E27FC236}">
+                <a16:creationId xmlns:a16="http://schemas.microsoft.com/office/drawing/2014/main" id="{F76EDFCD-F530-78A7-7061-0277CC76704B}"/>
+              </a:ext>
+            </a:extLst>
+          </p:cNvPr>
+          <p:cNvSpPr txBox="1"/>
+          <p:nvPr/>
+        </p:nvSpPr>
+        <p:spPr>
+          <a:xfrm>
+            <a:off x="7751134" y="6427665"/>
+            <a:ext cx="4342895" cy="369332"/>
+          </a:xfrm>
+          <a:prstGeom prst="rect">
+            <a:avLst/>
+          </a:prstGeom>
+          <a:noFill/>
+        </p:spPr>
+        <p:txBody>
+          <a:bodyPr wrap="square" rtlCol="0">
+            <a:spAutoFit/>
+          </a:bodyPr>
+          <a:lstStyle/>
+          <a:p>
+            <a:r>
+              <a:rPr lang="fr-FR" dirty="0">
+                <a:solidFill>
+                  <a:schemeClr val="bg1"/>
+                </a:solidFill>
+              </a:rPr>
+              <a:t>Local </a:t>
+            </a:r>
+            <a:r>
+              <a:rPr lang="fr-FR" dirty="0" err="1">
+                <a:solidFill>
+                  <a:schemeClr val="bg1"/>
+                </a:solidFill>
+              </a:rPr>
+              <a:t>hosting</a:t>
+            </a:r>
+            <a:r>
+              <a:rPr lang="fr-FR" dirty="0">
+                <a:solidFill>
+                  <a:schemeClr val="bg1"/>
+                </a:solidFill>
+              </a:rPr>
+              <a:t> :</a:t>
+            </a:r>
+            <a:endParaRPr lang="fr-FR" dirty="0">
+              <a:solidFill>
+                <a:schemeClr val="accent6"/>
+              </a:solidFill>
+            </a:endParaRPr>
+          </a:p>
+        </p:txBody>
+      </p:sp>
     </p:spTree>
     <p:extLst>
       <p:ext uri="{BB962C8B-B14F-4D97-AF65-F5344CB8AC3E}">

--- a/Projet7_Pysz_Presentation.pptx
+++ b/Projet7_Pysz_Presentation.pptx
@@ -30,7 +30,7 @@
     <p:sldId id="275" r:id="rId21"/>
   </p:sldIdLst>
   <p:sldSz cx="12192000" cy="6858000"/>
-  <p:notesSz cx="6858000" cy="9144000"/>
+  <p:notesSz cx="6888163" cy="10020300"/>
   <p:defaultTextStyle>
     <a:defPPr>
       <a:defRPr lang="en-US"/>
@@ -3931,17 +3931,17 @@
         <p:spPr>
           <a:xfrm>
             <a:off x="0" y="0"/>
-            <a:ext cx="2971800" cy="458788"/>
+            <a:ext cx="2984871" cy="502755"/>
           </a:xfrm>
           <a:prstGeom prst="rect">
             <a:avLst/>
           </a:prstGeom>
         </p:spPr>
         <p:txBody>
-          <a:bodyPr vert="horz" lIns="91440" tIns="45720" rIns="91440" bIns="45720" rtlCol="0"/>
+          <a:bodyPr vert="horz" lIns="96616" tIns="48308" rIns="96616" bIns="48308" rtlCol="0"/>
           <a:lstStyle>
             <a:lvl1pPr algn="l">
-              <a:defRPr sz="1200"/>
+              <a:defRPr sz="1300"/>
             </a:lvl1pPr>
           </a:lstStyle>
           <a:p>
@@ -3961,24 +3961,24 @@
         </p:nvSpPr>
         <p:spPr>
           <a:xfrm>
-            <a:off x="3884613" y="0"/>
-            <a:ext cx="2971800" cy="458788"/>
+            <a:off x="3901698" y="0"/>
+            <a:ext cx="2984871" cy="502755"/>
           </a:xfrm>
           <a:prstGeom prst="rect">
             <a:avLst/>
           </a:prstGeom>
         </p:spPr>
         <p:txBody>
-          <a:bodyPr vert="horz" lIns="91440" tIns="45720" rIns="91440" bIns="45720" rtlCol="0"/>
+          <a:bodyPr vert="horz" lIns="96616" tIns="48308" rIns="96616" bIns="48308" rtlCol="0"/>
           <a:lstStyle>
             <a:lvl1pPr algn="r">
-              <a:defRPr sz="1200"/>
+              <a:defRPr sz="1300"/>
             </a:lvl1pPr>
           </a:lstStyle>
           <a:p>
             <a:fld id="{91AC8DD9-4EA6-4CA4-B8D1-5B0AC031180F}" type="datetimeFigureOut">
               <a:rPr lang="fr-FR" smtClean="0"/>
-              <a:t>05/08/2022</a:t>
+              <a:t>14/08/2022</a:t>
             </a:fld>
             <a:endParaRPr lang="fr-FR"/>
           </a:p>
@@ -3996,8 +3996,8 @@
         </p:nvSpPr>
         <p:spPr>
           <a:xfrm>
-            <a:off x="685800" y="1143000"/>
-            <a:ext cx="5486400" cy="3086100"/>
+            <a:off x="439738" y="1252538"/>
+            <a:ext cx="6008687" cy="3381375"/>
           </a:xfrm>
           <a:prstGeom prst="rect">
             <a:avLst/>
@@ -4010,7 +4010,7 @@
           </a:ln>
         </p:spPr>
         <p:txBody>
-          <a:bodyPr vert="horz" lIns="91440" tIns="45720" rIns="91440" bIns="45720" rtlCol="0" anchor="ctr"/>
+          <a:bodyPr vert="horz" lIns="96616" tIns="48308" rIns="96616" bIns="48308" rtlCol="0" anchor="ctr"/>
           <a:lstStyle/>
           <a:p>
             <a:endParaRPr lang="fr-FR"/>
@@ -4029,15 +4029,15 @@
         </p:nvSpPr>
         <p:spPr>
           <a:xfrm>
-            <a:off x="685800" y="4400550"/>
-            <a:ext cx="5486400" cy="3600450"/>
+            <a:off x="688817" y="4822269"/>
+            <a:ext cx="5510530" cy="3945493"/>
           </a:xfrm>
           <a:prstGeom prst="rect">
             <a:avLst/>
           </a:prstGeom>
         </p:spPr>
         <p:txBody>
-          <a:bodyPr vert="horz" lIns="91440" tIns="45720" rIns="91440" bIns="45720" rtlCol="0"/>
+          <a:bodyPr vert="horz" lIns="96616" tIns="48308" rIns="96616" bIns="48308" rtlCol="0"/>
           <a:lstStyle/>
           <a:p>
             <a:pPr lvl="0"/>
@@ -4088,18 +4088,18 @@
         </p:nvSpPr>
         <p:spPr>
           <a:xfrm>
-            <a:off x="0" y="8685213"/>
-            <a:ext cx="2971800" cy="458787"/>
+            <a:off x="0" y="9517547"/>
+            <a:ext cx="2984871" cy="502754"/>
           </a:xfrm>
           <a:prstGeom prst="rect">
             <a:avLst/>
           </a:prstGeom>
         </p:spPr>
         <p:txBody>
-          <a:bodyPr vert="horz" lIns="91440" tIns="45720" rIns="91440" bIns="45720" rtlCol="0" anchor="b"/>
+          <a:bodyPr vert="horz" lIns="96616" tIns="48308" rIns="96616" bIns="48308" rtlCol="0" anchor="b"/>
           <a:lstStyle>
             <a:lvl1pPr algn="l">
-              <a:defRPr sz="1200"/>
+              <a:defRPr sz="1300"/>
             </a:lvl1pPr>
           </a:lstStyle>
           <a:p>
@@ -4119,18 +4119,18 @@
         </p:nvSpPr>
         <p:spPr>
           <a:xfrm>
-            <a:off x="3884613" y="8685213"/>
-            <a:ext cx="2971800" cy="458787"/>
+            <a:off x="3901698" y="9517547"/>
+            <a:ext cx="2984871" cy="502754"/>
           </a:xfrm>
           <a:prstGeom prst="rect">
             <a:avLst/>
           </a:prstGeom>
         </p:spPr>
         <p:txBody>
-          <a:bodyPr vert="horz" lIns="91440" tIns="45720" rIns="91440" bIns="45720" rtlCol="0" anchor="b"/>
+          <a:bodyPr vert="horz" lIns="96616" tIns="48308" rIns="96616" bIns="48308" rtlCol="0" anchor="b"/>
           <a:lstStyle>
             <a:lvl1pPr algn="r">
-              <a:defRPr sz="1200"/>
+              <a:defRPr sz="1300"/>
             </a:lvl1pPr>
           </a:lstStyle>
           <a:p>
@@ -4436,7 +4436,7 @@
           <a:p>
             <a:fld id="{7F858A7F-1793-490D-876B-C78B0D9EE843}" type="datetime1">
               <a:rPr lang="en-US" smtClean="0"/>
-              <a:t>8/5/2022</a:t>
+              <a:t>8/14/2022</a:t>
             </a:fld>
             <a:endParaRPr lang="en-US" dirty="0"/>
           </a:p>
@@ -4872,7 +4872,7 @@
           <a:p>
             <a:fld id="{390110F1-726E-4CA6-94C8-99E0E40258A4}" type="datetime1">
               <a:rPr lang="en-US" smtClean="0"/>
-              <a:t>8/5/2022</a:t>
+              <a:t>8/14/2022</a:t>
             </a:fld>
             <a:endParaRPr lang="en-US" dirty="0"/>
           </a:p>
@@ -5122,7 +5122,7 @@
           <a:p>
             <a:fld id="{622357CC-CF17-4BEB-A8BD-6BDF484275CB}" type="datetime1">
               <a:rPr lang="en-US" smtClean="0"/>
-              <a:t>8/5/2022</a:t>
+              <a:t>8/14/2022</a:t>
             </a:fld>
             <a:endParaRPr lang="en-US" dirty="0"/>
           </a:p>
@@ -5430,7 +5430,7 @@
           <a:p>
             <a:fld id="{117BE5CF-C4CF-448A-B69D-1B16A85226D0}" type="datetime1">
               <a:rPr lang="en-US" smtClean="0"/>
-              <a:t>8/5/2022</a:t>
+              <a:t>8/14/2022</a:t>
             </a:fld>
             <a:endParaRPr lang="en-US" dirty="0"/>
           </a:p>
@@ -5748,7 +5748,7 @@
           <a:p>
             <a:fld id="{5018F9F5-3A04-4179-8AAB-E44F9C7F2C53}" type="datetime1">
               <a:rPr lang="en-US" smtClean="0"/>
-              <a:t>8/5/2022</a:t>
+              <a:t>8/14/2022</a:t>
             </a:fld>
             <a:endParaRPr lang="en-US" dirty="0"/>
           </a:p>
@@ -6050,7 +6050,7 @@
           <a:p>
             <a:fld id="{EC5201D0-E55E-453E-90D2-EAAE6A426732}" type="datetime1">
               <a:rPr lang="en-US" smtClean="0"/>
-              <a:t>8/5/2022</a:t>
+              <a:t>8/14/2022</a:t>
             </a:fld>
             <a:endParaRPr lang="en-US" dirty="0"/>
           </a:p>
@@ -6417,7 +6417,7 @@
           <a:p>
             <a:fld id="{E44E43FF-6109-494A-AC7D-99EFBC828786}" type="datetime1">
               <a:rPr lang="en-US" smtClean="0"/>
-              <a:t>8/5/2022</a:t>
+              <a:t>8/14/2022</a:t>
             </a:fld>
             <a:endParaRPr lang="en-US" dirty="0"/>
           </a:p>
@@ -6591,7 +6591,7 @@
           <a:p>
             <a:fld id="{2BA28D30-4B15-4029-8402-689B4905D06C}" type="datetime1">
               <a:rPr lang="en-US" smtClean="0"/>
-              <a:t>8/5/2022</a:t>
+              <a:t>8/14/2022</a:t>
             </a:fld>
             <a:endParaRPr lang="en-US" dirty="0"/>
           </a:p>
@@ -6771,7 +6771,7 @@
           <a:p>
             <a:fld id="{C3270F82-2A0E-469E-9B00-941D07B18CE3}" type="datetime1">
               <a:rPr lang="en-US" smtClean="0"/>
-              <a:t>8/5/2022</a:t>
+              <a:t>8/14/2022</a:t>
             </a:fld>
             <a:endParaRPr lang="en-US" dirty="0"/>
           </a:p>
@@ -6941,7 +6941,7 @@
           <a:p>
             <a:fld id="{3811AEE1-DC45-4753-8BC2-D645F25AF9AC}" type="datetime1">
               <a:rPr lang="en-US" smtClean="0"/>
-              <a:t>8/5/2022</a:t>
+              <a:t>8/14/2022</a:t>
             </a:fld>
             <a:endParaRPr lang="en-US" dirty="0"/>
           </a:p>
@@ -7191,7 +7191,7 @@
           <a:p>
             <a:fld id="{F9CCBCAD-12FB-4D70-BBFB-72AAAB520C74}" type="datetime1">
               <a:rPr lang="en-US" smtClean="0"/>
-              <a:t>8/5/2022</a:t>
+              <a:t>8/14/2022</a:t>
             </a:fld>
             <a:endParaRPr lang="en-US" dirty="0"/>
           </a:p>
@@ -7427,7 +7427,7 @@
           <a:p>
             <a:fld id="{69675C36-749A-45AB-B69D-77F12626D3B6}" type="datetime1">
               <a:rPr lang="en-US" smtClean="0"/>
-              <a:t>8/5/2022</a:t>
+              <a:t>8/14/2022</a:t>
             </a:fld>
             <a:endParaRPr lang="en-US" dirty="0"/>
           </a:p>
@@ -7809,7 +7809,7 @@
           <a:p>
             <a:fld id="{764B1CB3-845D-4665-BDF0-757DCAA5543B}" type="datetime1">
               <a:rPr lang="en-US" smtClean="0"/>
-              <a:t>8/5/2022</a:t>
+              <a:t>8/14/2022</a:t>
             </a:fld>
             <a:endParaRPr lang="en-US" dirty="0"/>
           </a:p>
@@ -7927,7 +7927,7 @@
           <a:p>
             <a:fld id="{82A8C44D-DADD-45FF-94C4-6AC46B4EF870}" type="datetime1">
               <a:rPr lang="en-US" smtClean="0"/>
-              <a:t>8/5/2022</a:t>
+              <a:t>8/14/2022</a:t>
             </a:fld>
             <a:endParaRPr lang="en-US" dirty="0"/>
           </a:p>
@@ -8022,7 +8022,7 @@
           <a:p>
             <a:fld id="{A7D8BBED-BA07-4ABE-BD6C-DF6810E0C185}" type="datetime1">
               <a:rPr lang="en-US" smtClean="0"/>
-              <a:t>8/5/2022</a:t>
+              <a:t>8/14/2022</a:t>
             </a:fld>
             <a:endParaRPr lang="en-US" dirty="0"/>
           </a:p>
@@ -8277,7 +8277,7 @@
           <a:p>
             <a:fld id="{4F4F867B-CAE4-440F-BBCC-8B0F23EAEF22}" type="datetime1">
               <a:rPr lang="en-US" smtClean="0"/>
-              <a:t>8/5/2022</a:t>
+              <a:t>8/14/2022</a:t>
             </a:fld>
             <a:endParaRPr lang="en-US" dirty="0"/>
           </a:p>
@@ -8560,7 +8560,7 @@
           <a:p>
             <a:fld id="{99F75202-15AE-45F2-9BCA-5CC5AAA1922E}" type="datetime1">
               <a:rPr lang="en-US" smtClean="0"/>
-              <a:t>8/5/2022</a:t>
+              <a:t>8/14/2022</a:t>
             </a:fld>
             <a:endParaRPr lang="en-US" dirty="0"/>
           </a:p>
@@ -8966,7 +8966,7 @@
           <a:p>
             <a:fld id="{7B9D27E6-E30D-4411-88FD-EEF541554C64}" type="datetime1">
               <a:rPr lang="en-US" smtClean="0"/>
-              <a:t>8/5/2022</a:t>
+              <a:t>8/14/2022</a:t>
             </a:fld>
             <a:endParaRPr lang="en-US" dirty="0"/>
           </a:p>
